--- a/RestFul.pptx
+++ b/RestFul.pptx
@@ -7,7 +7,12 @@
   <p:sldIdLst>
     <p:sldId id="256" r:id="rId2"/>
     <p:sldId id="257" r:id="rId3"/>
-    <p:sldId id="269" r:id="rId4"/>
+    <p:sldId id="270" r:id="rId4"/>
+    <p:sldId id="271" r:id="rId5"/>
+    <p:sldId id="272" r:id="rId6"/>
+    <p:sldId id="273" r:id="rId7"/>
+    <p:sldId id="274" r:id="rId8"/>
+    <p:sldId id="269" r:id="rId9"/>
   </p:sldIdLst>
   <p:sldSz cx="9144000" cy="6858000" type="screen4x3"/>
   <p:notesSz cx="6858000" cy="9144000"/>
@@ -3483,11 +3488,7 @@
           <a:p>
             <a:r>
               <a:rPr lang="en-GB" sz="1600" dirty="0" smtClean="0"/>
-              <a:t>To improve performance, you can even send multiple requests over a single connection, that way you avoid the complete TCP and SSL handshake overhead on </a:t>
-            </a:r>
-            <a:r>
-              <a:rPr lang="en-GB" sz="1600" smtClean="0"/>
-              <a:t>later requests</a:t>
+              <a:t>To improve performance, you can even send multiple requests over a single connection, that way you avoid the complete TCP and SSL handshake overhead on later requests</a:t>
             </a:r>
             <a:endParaRPr lang="en-GB" sz="1600" dirty="0"/>
           </a:p>
@@ -3547,7 +3548,91 @@
           <a:p>
             <a:r>
               <a:rPr lang="en-US" dirty="0" smtClean="0"/>
-              <a:t>References</a:t>
+              <a:t>JWT</a:t>
+            </a:r>
+            <a:endParaRPr lang="en-US" dirty="0"/>
+          </a:p>
+        </p:txBody>
+      </p:sp>
+      <p:pic>
+        <p:nvPicPr>
+          <p:cNvPr id="4" name="Picture 3"/>
+          <p:cNvPicPr>
+            <a:picLocks noChangeAspect="1"/>
+          </p:cNvPicPr>
+          <p:nvPr/>
+        </p:nvPicPr>
+        <p:blipFill>
+          <a:blip r:embed="rId2"/>
+          <a:stretch>
+            <a:fillRect/>
+          </a:stretch>
+        </p:blipFill>
+        <p:spPr>
+          <a:xfrm>
+            <a:off x="611560" y="1700808"/>
+            <a:ext cx="7524328" cy="4122755"/>
+          </a:xfrm>
+          <a:prstGeom prst="rect">
+            <a:avLst/>
+          </a:prstGeom>
+        </p:spPr>
+      </p:pic>
+    </p:spTree>
+    <p:extLst>
+      <p:ext uri="{BB962C8B-B14F-4D97-AF65-F5344CB8AC3E}">
+        <p14:creationId xmlns:p14="http://schemas.microsoft.com/office/powerpoint/2010/main" val="1924713219"/>
+      </p:ext>
+    </p:extLst>
+  </p:cSld>
+  <p:clrMapOvr>
+    <a:masterClrMapping/>
+  </p:clrMapOvr>
+  <p:timing>
+    <p:tnLst>
+      <p:par>
+        <p:cTn xmlns:p14="http://schemas.microsoft.com/office/powerpoint/2010/main" id="1" dur="indefinite" restart="never" nodeType="tmRoot"/>
+      </p:par>
+    </p:tnLst>
+  </p:timing>
+</p:sld>
+</file>
+
+<file path=ppt/slides/slide4.xml><?xml version="1.0" encoding="utf-8"?>
+<p:sld xmlns:a="http://schemas.openxmlformats.org/drawingml/2006/main" xmlns:r="http://schemas.openxmlformats.org/officeDocument/2006/relationships" xmlns:p="http://schemas.openxmlformats.org/presentationml/2006/main">
+  <p:cSld>
+    <p:spTree>
+      <p:nvGrpSpPr>
+        <p:cNvPr id="1" name=""/>
+        <p:cNvGrpSpPr/>
+        <p:nvPr/>
+      </p:nvGrpSpPr>
+      <p:grpSpPr>
+        <a:xfrm>
+          <a:off x="0" y="0"/>
+          <a:ext cx="0" cy="0"/>
+          <a:chOff x="0" y="0"/>
+          <a:chExt cx="0" cy="0"/>
+        </a:xfrm>
+      </p:grpSpPr>
+      <p:sp>
+        <p:nvSpPr>
+          <p:cNvPr id="2" name="Title 1"/>
+          <p:cNvSpPr>
+            <a:spLocks noGrp="1"/>
+          </p:cNvSpPr>
+          <p:nvPr>
+            <p:ph type="title"/>
+          </p:nvPr>
+        </p:nvSpPr>
+        <p:spPr/>
+        <p:txBody>
+          <a:bodyPr/>
+          <a:lstStyle/>
+          <a:p>
+            <a:r>
+              <a:rPr lang="en-US" dirty="0" smtClean="0"/>
+              <a:t>JWT</a:t>
             </a:r>
             <a:endParaRPr lang="en-US" dirty="0"/>
           </a:p>
@@ -3571,16 +3656,509 @@
           <a:lstStyle/>
           <a:p>
             <a:r>
+              <a:rPr lang="en-GB" sz="1600" dirty="0" smtClean="0"/>
+              <a:t>JWT consists of three parts separated by dots:-</a:t>
+            </a:r>
+          </a:p>
+          <a:p>
+            <a:pPr lvl="1"/>
+            <a:r>
+              <a:rPr lang="en-GB" sz="1400" dirty="0" smtClean="0"/>
+              <a:t>Header</a:t>
+            </a:r>
+          </a:p>
+          <a:p>
+            <a:pPr lvl="1"/>
+            <a:r>
+              <a:rPr lang="en-GB" sz="1400" dirty="0" smtClean="0"/>
+              <a:t>Payload</a:t>
+            </a:r>
+          </a:p>
+          <a:p>
+            <a:pPr lvl="1"/>
+            <a:r>
+              <a:rPr lang="en-GB" sz="1400" dirty="0" smtClean="0"/>
+              <a:t>Signature</a:t>
+            </a:r>
+          </a:p>
+          <a:p>
+            <a:pPr lvl="1"/>
+            <a:r>
+              <a:rPr lang="en-GB" sz="1200" dirty="0" err="1" smtClean="0"/>
+              <a:t>x</a:t>
+            </a:r>
+            <a:r>
+              <a:rPr lang="en-GB" sz="1200" dirty="0" err="1" smtClean="0"/>
+              <a:t>xxx.yyyy.zzzz</a:t>
+            </a:r>
+            <a:endParaRPr lang="en-GB" sz="1200" dirty="0" smtClean="0"/>
+          </a:p>
+          <a:p>
+            <a:r>
+              <a:rPr lang="en-GB" sz="1600" dirty="0" smtClean="0"/>
+              <a:t>Payload – contains the claims. Claims are statements about an entity and additional metadata. There are 3 types of claims: reserved, public and private </a:t>
+            </a:r>
+          </a:p>
+          <a:p>
+            <a:r>
+              <a:rPr lang="en-GB" sz="1600" dirty="0" smtClean="0"/>
+              <a:t>Signature – To create the signature part you have to take the encoded header, the encoded payload, a secret, the algorithm specified in the header, and sign that.</a:t>
+            </a:r>
+          </a:p>
+          <a:p>
+            <a:r>
+              <a:rPr lang="en-GB" sz="1600" dirty="0" smtClean="0"/>
+              <a:t>You can use </a:t>
+            </a:r>
+            <a:r>
+              <a:rPr lang="en-GB" sz="1600" b="1" dirty="0" smtClean="0">
+                <a:solidFill>
+                  <a:srgbClr val="FF0000"/>
+                </a:solidFill>
+              </a:rPr>
+              <a:t>HMAC SHA256 </a:t>
+            </a:r>
+            <a:r>
+              <a:rPr lang="en-GB" sz="1600" dirty="0" smtClean="0"/>
+              <a:t>algorithm</a:t>
+            </a:r>
+            <a:endParaRPr lang="en-GB" sz="1600" dirty="0"/>
+          </a:p>
+        </p:txBody>
+      </p:sp>
+    </p:spTree>
+    <p:extLst>
+      <p:ext uri="{BB962C8B-B14F-4D97-AF65-F5344CB8AC3E}">
+        <p14:creationId xmlns:p14="http://schemas.microsoft.com/office/powerpoint/2010/main" val="2823596366"/>
+      </p:ext>
+    </p:extLst>
+  </p:cSld>
+  <p:clrMapOvr>
+    <a:masterClrMapping/>
+  </p:clrMapOvr>
+  <p:timing>
+    <p:tnLst>
+      <p:par>
+        <p:cTn xmlns:p14="http://schemas.microsoft.com/office/powerpoint/2010/main" id="1" dur="indefinite" restart="never" nodeType="tmRoot"/>
+      </p:par>
+    </p:tnLst>
+  </p:timing>
+</p:sld>
+</file>
+
+<file path=ppt/slides/slide5.xml><?xml version="1.0" encoding="utf-8"?>
+<p:sld xmlns:a="http://schemas.openxmlformats.org/drawingml/2006/main" xmlns:r="http://schemas.openxmlformats.org/officeDocument/2006/relationships" xmlns:p="http://schemas.openxmlformats.org/presentationml/2006/main">
+  <p:cSld>
+    <p:spTree>
+      <p:nvGrpSpPr>
+        <p:cNvPr id="1" name=""/>
+        <p:cNvGrpSpPr/>
+        <p:nvPr/>
+      </p:nvGrpSpPr>
+      <p:grpSpPr>
+        <a:xfrm>
+          <a:off x="0" y="0"/>
+          <a:ext cx="0" cy="0"/>
+          <a:chOff x="0" y="0"/>
+          <a:chExt cx="0" cy="0"/>
+        </a:xfrm>
+      </p:grpSpPr>
+      <p:sp>
+        <p:nvSpPr>
+          <p:cNvPr id="2" name="Title 1"/>
+          <p:cNvSpPr>
+            <a:spLocks noGrp="1"/>
+          </p:cNvSpPr>
+          <p:nvPr>
+            <p:ph type="title"/>
+          </p:nvPr>
+        </p:nvSpPr>
+        <p:spPr/>
+        <p:txBody>
+          <a:bodyPr/>
+          <a:lstStyle/>
+          <a:p>
+            <a:r>
+              <a:rPr lang="en-US" dirty="0" smtClean="0"/>
+              <a:t>JWT Benefits</a:t>
+            </a:r>
+            <a:endParaRPr lang="en-US" dirty="0"/>
+          </a:p>
+        </p:txBody>
+      </p:sp>
+      <p:sp>
+        <p:nvSpPr>
+          <p:cNvPr id="3" name="Content Placeholder 2"/>
+          <p:cNvSpPr>
+            <a:spLocks noGrp="1"/>
+          </p:cNvSpPr>
+          <p:nvPr>
+            <p:ph idx="1"/>
+          </p:nvPr>
+        </p:nvSpPr>
+        <p:spPr/>
+        <p:txBody>
+          <a:bodyPr>
+            <a:normAutofit/>
+          </a:bodyPr>
+          <a:lstStyle/>
+          <a:p>
+            <a:r>
+              <a:rPr lang="en-GB" sz="1600" dirty="0" smtClean="0"/>
+              <a:t>CORS</a:t>
+            </a:r>
+          </a:p>
+          <a:p>
+            <a:r>
+              <a:rPr lang="en-GB" sz="1600" dirty="0" smtClean="0"/>
+              <a:t>No need for CSRF protection</a:t>
+            </a:r>
+          </a:p>
+          <a:p>
+            <a:r>
+              <a:rPr lang="en-GB" sz="1600" dirty="0" smtClean="0"/>
+              <a:t>Reduced load on authorization server</a:t>
+            </a:r>
+          </a:p>
+          <a:p>
+            <a:r>
+              <a:rPr lang="en-GB" sz="1600" dirty="0" smtClean="0"/>
+              <a:t>No need for distributed session store </a:t>
+            </a:r>
+            <a:endParaRPr lang="en-GB" sz="1600" dirty="0"/>
+          </a:p>
+        </p:txBody>
+      </p:sp>
+    </p:spTree>
+    <p:extLst>
+      <p:ext uri="{BB962C8B-B14F-4D97-AF65-F5344CB8AC3E}">
+        <p14:creationId xmlns:p14="http://schemas.microsoft.com/office/powerpoint/2010/main" val="3321782501"/>
+      </p:ext>
+    </p:extLst>
+  </p:cSld>
+  <p:clrMapOvr>
+    <a:masterClrMapping/>
+  </p:clrMapOvr>
+  <p:timing>
+    <p:tnLst>
+      <p:par>
+        <p:cTn xmlns:p14="http://schemas.microsoft.com/office/powerpoint/2010/main" id="1" dur="indefinite" restart="never" nodeType="tmRoot"/>
+      </p:par>
+    </p:tnLst>
+  </p:timing>
+</p:sld>
+</file>
+
+<file path=ppt/slides/slide6.xml><?xml version="1.0" encoding="utf-8"?>
+<p:sld xmlns:a="http://schemas.openxmlformats.org/drawingml/2006/main" xmlns:r="http://schemas.openxmlformats.org/officeDocument/2006/relationships" xmlns:p="http://schemas.openxmlformats.org/presentationml/2006/main">
+  <p:cSld>
+    <p:spTree>
+      <p:nvGrpSpPr>
+        <p:cNvPr id="1" name=""/>
+        <p:cNvGrpSpPr/>
+        <p:nvPr/>
+      </p:nvGrpSpPr>
+      <p:grpSpPr>
+        <a:xfrm>
+          <a:off x="0" y="0"/>
+          <a:ext cx="0" cy="0"/>
+          <a:chOff x="0" y="0"/>
+          <a:chExt cx="0" cy="0"/>
+        </a:xfrm>
+      </p:grpSpPr>
+      <p:sp>
+        <p:nvSpPr>
+          <p:cNvPr id="2" name="Title 1"/>
+          <p:cNvSpPr>
+            <a:spLocks noGrp="1"/>
+          </p:cNvSpPr>
+          <p:nvPr>
+            <p:ph type="title"/>
+          </p:nvPr>
+        </p:nvSpPr>
+        <p:spPr/>
+        <p:txBody>
+          <a:bodyPr/>
+          <a:lstStyle/>
+          <a:p>
+            <a:r>
+              <a:rPr lang="en-US" dirty="0" smtClean="0"/>
+              <a:t>JWT Tradeoffs</a:t>
+            </a:r>
+            <a:endParaRPr lang="en-US" dirty="0"/>
+          </a:p>
+        </p:txBody>
+      </p:sp>
+      <p:sp>
+        <p:nvSpPr>
+          <p:cNvPr id="3" name="Content Placeholder 2"/>
+          <p:cNvSpPr>
+            <a:spLocks noGrp="1"/>
+          </p:cNvSpPr>
+          <p:nvPr>
+            <p:ph idx="1"/>
+          </p:nvPr>
+        </p:nvSpPr>
+        <p:spPr/>
+        <p:txBody>
+          <a:bodyPr>
+            <a:normAutofit/>
+          </a:bodyPr>
+          <a:lstStyle/>
+          <a:p>
+            <a:r>
+              <a:rPr lang="en-GB" sz="1600" dirty="0" smtClean="0"/>
+              <a:t>More vulnerable to XSS attacks</a:t>
+            </a:r>
+          </a:p>
+          <a:p>
+            <a:r>
+              <a:rPr lang="en-GB" sz="1600" dirty="0" smtClean="0"/>
+              <a:t>Access token can grow in size in case of increased number of claims</a:t>
+            </a:r>
+          </a:p>
+          <a:p>
+            <a:r>
+              <a:rPr lang="en-GB" sz="1600" dirty="0" smtClean="0"/>
+              <a:t>True statelessness and revocation are mutually exclusive </a:t>
+            </a:r>
+          </a:p>
+          <a:p>
+            <a:r>
+              <a:rPr lang="en-GB" sz="1600" dirty="0" smtClean="0"/>
+              <a:t>File download API can be tricky to implement</a:t>
+            </a:r>
+            <a:endParaRPr lang="en-GB" sz="1600" dirty="0"/>
+          </a:p>
+        </p:txBody>
+      </p:sp>
+    </p:spTree>
+    <p:extLst>
+      <p:ext uri="{BB962C8B-B14F-4D97-AF65-F5344CB8AC3E}">
+        <p14:creationId xmlns:p14="http://schemas.microsoft.com/office/powerpoint/2010/main" val="1741827274"/>
+      </p:ext>
+    </p:extLst>
+  </p:cSld>
+  <p:clrMapOvr>
+    <a:masterClrMapping/>
+  </p:clrMapOvr>
+  <p:timing>
+    <p:tnLst>
+      <p:par>
+        <p:cTn xmlns:p14="http://schemas.microsoft.com/office/powerpoint/2010/main" id="1" dur="indefinite" restart="never" nodeType="tmRoot"/>
+      </p:par>
+    </p:tnLst>
+  </p:timing>
+</p:sld>
+</file>
+
+<file path=ppt/slides/slide7.xml><?xml version="1.0" encoding="utf-8"?>
+<p:sld xmlns:a="http://schemas.openxmlformats.org/drawingml/2006/main" xmlns:r="http://schemas.openxmlformats.org/officeDocument/2006/relationships" xmlns:p="http://schemas.openxmlformats.org/presentationml/2006/main">
+  <p:cSld>
+    <p:spTree>
+      <p:nvGrpSpPr>
+        <p:cNvPr id="1" name=""/>
+        <p:cNvGrpSpPr/>
+        <p:nvPr/>
+      </p:nvGrpSpPr>
+      <p:grpSpPr>
+        <a:xfrm>
+          <a:off x="0" y="0"/>
+          <a:ext cx="0" cy="0"/>
+          <a:chOff x="0" y="0"/>
+          <a:chExt cx="0" cy="0"/>
+        </a:xfrm>
+      </p:grpSpPr>
+      <p:sp>
+        <p:nvSpPr>
+          <p:cNvPr id="2" name="Title 1"/>
+          <p:cNvSpPr>
+            <a:spLocks noGrp="1"/>
+          </p:cNvSpPr>
+          <p:nvPr>
+            <p:ph type="title"/>
+          </p:nvPr>
+        </p:nvSpPr>
+        <p:spPr/>
+        <p:txBody>
+          <a:bodyPr/>
+          <a:lstStyle/>
+          <a:p>
+            <a:r>
+              <a:rPr lang="en-US" dirty="0" smtClean="0"/>
+              <a:t>OAuth2 Providers</a:t>
+            </a:r>
+            <a:endParaRPr lang="en-US" dirty="0"/>
+          </a:p>
+        </p:txBody>
+      </p:sp>
+      <p:sp>
+        <p:nvSpPr>
+          <p:cNvPr id="3" name="Content Placeholder 2"/>
+          <p:cNvSpPr>
+            <a:spLocks noGrp="1"/>
+          </p:cNvSpPr>
+          <p:nvPr>
+            <p:ph idx="1"/>
+          </p:nvPr>
+        </p:nvSpPr>
+        <p:spPr/>
+        <p:txBody>
+          <a:bodyPr>
+            <a:normAutofit/>
+          </a:bodyPr>
+          <a:lstStyle/>
+          <a:p>
+            <a:r>
+              <a:rPr lang="en-GB" sz="1600" dirty="0" smtClean="0"/>
+              <a:t>Google, </a:t>
+            </a:r>
+            <a:r>
+              <a:rPr lang="en-GB" sz="1600" dirty="0" err="1" smtClean="0"/>
+              <a:t>Github</a:t>
+            </a:r>
+            <a:r>
+              <a:rPr lang="en-GB" sz="1600" dirty="0" smtClean="0"/>
+              <a:t>, Facebook and </a:t>
+            </a:r>
+            <a:r>
+              <a:rPr lang="en-GB" sz="1600" dirty="0" err="1" smtClean="0"/>
+              <a:t>Okta</a:t>
+            </a:r>
+            <a:endParaRPr lang="en-GB" sz="1600" dirty="0"/>
+          </a:p>
+        </p:txBody>
+      </p:sp>
+    </p:spTree>
+    <p:extLst>
+      <p:ext uri="{BB962C8B-B14F-4D97-AF65-F5344CB8AC3E}">
+        <p14:creationId xmlns:p14="http://schemas.microsoft.com/office/powerpoint/2010/main" val="1528306976"/>
+      </p:ext>
+    </p:extLst>
+  </p:cSld>
+  <p:clrMapOvr>
+    <a:masterClrMapping/>
+  </p:clrMapOvr>
+  <p:timing>
+    <p:tnLst>
+      <p:par>
+        <p:cTn xmlns:p14="http://schemas.microsoft.com/office/powerpoint/2010/main" id="1" dur="indefinite" restart="never" nodeType="tmRoot"/>
+      </p:par>
+    </p:tnLst>
+  </p:timing>
+</p:sld>
+</file>
+
+<file path=ppt/slides/slide8.xml><?xml version="1.0" encoding="utf-8"?>
+<p:sld xmlns:a="http://schemas.openxmlformats.org/drawingml/2006/main" xmlns:r="http://schemas.openxmlformats.org/officeDocument/2006/relationships" xmlns:p="http://schemas.openxmlformats.org/presentationml/2006/main">
+  <p:cSld>
+    <p:spTree>
+      <p:nvGrpSpPr>
+        <p:cNvPr id="1" name=""/>
+        <p:cNvGrpSpPr/>
+        <p:nvPr/>
+      </p:nvGrpSpPr>
+      <p:grpSpPr>
+        <a:xfrm>
+          <a:off x="0" y="0"/>
+          <a:ext cx="0" cy="0"/>
+          <a:chOff x="0" y="0"/>
+          <a:chExt cx="0" cy="0"/>
+        </a:xfrm>
+      </p:grpSpPr>
+      <p:sp>
+        <p:nvSpPr>
+          <p:cNvPr id="2" name="Title 1"/>
+          <p:cNvSpPr>
+            <a:spLocks noGrp="1"/>
+          </p:cNvSpPr>
+          <p:nvPr>
+            <p:ph type="title"/>
+          </p:nvPr>
+        </p:nvSpPr>
+        <p:spPr/>
+        <p:txBody>
+          <a:bodyPr/>
+          <a:lstStyle/>
+          <a:p>
+            <a:r>
+              <a:rPr lang="en-US" dirty="0" smtClean="0"/>
+              <a:t>References</a:t>
+            </a:r>
+            <a:endParaRPr lang="en-US" dirty="0"/>
+          </a:p>
+        </p:txBody>
+      </p:sp>
+      <p:sp>
+        <p:nvSpPr>
+          <p:cNvPr id="3" name="Content Placeholder 2"/>
+          <p:cNvSpPr>
+            <a:spLocks noGrp="1"/>
+          </p:cNvSpPr>
+          <p:nvPr>
+            <p:ph idx="1"/>
+          </p:nvPr>
+        </p:nvSpPr>
+        <p:spPr/>
+        <p:txBody>
+          <a:bodyPr>
+            <a:normAutofit/>
+          </a:bodyPr>
+          <a:lstStyle/>
+          <a:p>
+            <a:r>
+              <a:rPr lang="en-US" sz="1600" dirty="0">
+                <a:hlinkClick r:id="rId2"/>
+              </a:rPr>
+              <a:t>https://restfulapi.net/security-essentials</a:t>
+            </a:r>
+            <a:r>
+              <a:rPr lang="en-US" sz="1600" dirty="0" smtClean="0">
+                <a:hlinkClick r:id="rId2"/>
+              </a:rPr>
+              <a:t>/</a:t>
+            </a:r>
+            <a:endParaRPr lang="en-US" sz="1600" dirty="0" smtClean="0"/>
+          </a:p>
+          <a:p>
+            <a:r>
+              <a:rPr lang="en-US" sz="1600" dirty="0">
+                <a:hlinkClick r:id="rId3"/>
+              </a:rPr>
+              <a:t>https://www.owasp.org/index.php/</a:t>
+            </a:r>
+            <a:r>
+              <a:rPr lang="en-US" sz="1600" dirty="0" smtClean="0">
+                <a:hlinkClick r:id="rId3"/>
+              </a:rPr>
+              <a:t>REST_Security_Cheat_Sheet</a:t>
+            </a:r>
+            <a:endParaRPr lang="en-US" sz="1600" dirty="0" smtClean="0"/>
+          </a:p>
+          <a:p>
+            <a:r>
               <a:rPr lang="en-US" sz="1600" dirty="0"/>
               <a:t>https://</a:t>
             </a:r>
             <a:r>
               <a:rPr lang="en-US" sz="1600" dirty="0" err="1"/>
-              <a:t>restfulapi.net</a:t>
+              <a:t>github.com</a:t>
             </a:r>
             <a:r>
               <a:rPr lang="en-US" sz="1600" dirty="0"/>
-              <a:t>/security-essentials/</a:t>
+              <a:t>/</a:t>
+            </a:r>
+            <a:r>
+              <a:rPr lang="en-US" sz="1600" dirty="0" err="1"/>
+              <a:t>murraco</a:t>
+            </a:r>
+            <a:r>
+              <a:rPr lang="en-US" sz="1600" dirty="0"/>
+              <a:t>/spring-boot-</a:t>
+            </a:r>
+            <a:r>
+              <a:rPr lang="en-US" sz="1600" dirty="0" err="1"/>
+              <a:t>jwt</a:t>
             </a:r>
             <a:endParaRPr lang="en-US" sz="1600" dirty="0" smtClean="0"/>
           </a:p>
